--- a/files/tools/ppt/Insights & Opportunities_FacilitationDeck.pptx
+++ b/files/tools/ppt/Insights & Opportunities_FacilitationDeck.pptx
@@ -2643,7 +2643,7 @@
                 <a:cs typeface="IBM Plex Sans Light"/>
                 <a:sym typeface="IBM Plex Sans Light"/>
               </a:rPr>
-              <a:t>Findings often emerge from facts and user statements for e.g. when a user shares a want, need or behavior pattern. Insights emerge from the understand of motivations behind the want or need.</a:t>
+              <a:t>Findings often emerge from facts and user statements for example, when a user shares a want, need or behavior pattern. Insights emerge from the understand of motivations behind the want or need.</a:t>
             </a:r>
             <a:endParaRPr sz="1000">
               <a:solidFill>
